--- a/dataset/Rose_Leaf_Diease.pptx
+++ b/dataset/Rose_Leaf_Diease.pptx
@@ -133,6 +133,66 @@
     </p:ext>
   </p:extLst>
 </p:presentation>
+</file>
+
+<file path=ppt/ink/ink1.xml><?xml version="1.0" encoding="utf-8"?>
+<inkml:ink xmlns:inkml="http://www.w3.org/2003/InkML">
+  <inkml:definitions>
+    <inkml:context xml:id="ctx0">
+      <inkml:inkSource xml:id="inkSrc0">
+        <inkml:traceFormat>
+          <inkml:channel name="X" type="integer" max="1920" units="cm"/>
+          <inkml:channel name="Y" type="integer" max="1080" units="cm"/>
+          <inkml:channel name="T" type="integer" max="2.14748E9" units="dev"/>
+        </inkml:traceFormat>
+        <inkml:channelProperties>
+          <inkml:channelProperty channel="X" name="resolution" value="40.33614" units="1/cm"/>
+          <inkml:channelProperty channel="Y" name="resolution" value="40.29851" units="1/cm"/>
+          <inkml:channelProperty channel="T" name="resolution" value="1" units="1/dev"/>
+        </inkml:channelProperties>
+      </inkml:inkSource>
+      <inkml:timestamp xml:id="ts0" timeString="2023-04-13T04:10:32.738"/>
+    </inkml:context>
+    <inkml:brush xml:id="br0">
+      <inkml:brushProperty name="width" value="0.08819" units="cm"/>
+      <inkml:brushProperty name="height" value="0.35278" units="cm"/>
+      <inkml:brushProperty name="color" value="#FFFF00"/>
+      <inkml:brushProperty name="tip" value="rectangle"/>
+      <inkml:brushProperty name="rasterOp" value="maskPen"/>
+    </inkml:brush>
+  </inkml:definitions>
+  <inkml:trace contextRef="#ctx0" brushRef="#br0">20865 12660 0</inkml:trace>
+</inkml:ink>
+</file>
+
+<file path=ppt/ink/ink2.xml><?xml version="1.0" encoding="utf-8"?>
+<inkml:ink xmlns:inkml="http://www.w3.org/2003/InkML">
+  <inkml:definitions>
+    <inkml:context xml:id="ctx0">
+      <inkml:inkSource xml:id="inkSrc0">
+        <inkml:traceFormat>
+          <inkml:channel name="X" type="integer" max="1920" units="cm"/>
+          <inkml:channel name="Y" type="integer" max="1080" units="cm"/>
+          <inkml:channel name="T" type="integer" max="2.14748E9" units="dev"/>
+        </inkml:traceFormat>
+        <inkml:channelProperties>
+          <inkml:channelProperty channel="X" name="resolution" value="40.33614" units="1/cm"/>
+          <inkml:channelProperty channel="Y" name="resolution" value="40.29851" units="1/cm"/>
+          <inkml:channelProperty channel="T" name="resolution" value="1" units="1/dev"/>
+        </inkml:channelProperties>
+      </inkml:inkSource>
+      <inkml:timestamp xml:id="ts0" timeString="2023-04-13T04:10:39.730"/>
+    </inkml:context>
+    <inkml:brush xml:id="br0">
+      <inkml:brushProperty name="width" value="0.08819" units="cm"/>
+      <inkml:brushProperty name="height" value="0.35278" units="cm"/>
+      <inkml:brushProperty name="color" value="#FFFF00"/>
+      <inkml:brushProperty name="tip" value="rectangle"/>
+      <inkml:brushProperty name="rasterOp" value="maskPen"/>
+    </inkml:brush>
+  </inkml:definitions>
+  <inkml:trace contextRef="#ctx0" brushRef="#br0">13855 15384 0</inkml:trace>
+</inkml:ink>
 </file>
 
 <file path=ppt/notesMasters/notesMaster1.xml><?xml version="1.0" encoding="utf-8"?>
@@ -1524,10 +1584,10 @@
       </p:sp>
       <p:sp>
         <p:nvSpPr>
-          <p:cNvPr id="7" name="TextBox 6">
+          <p:cNvPr id="10" name="TextBox 23">
             <a:extLst>
               <a:ext uri="{FF2B5EF4-FFF2-40B4-BE49-F238E27FC236}">
-                <a16:creationId xmlns:a16="http://schemas.microsoft.com/office/drawing/2014/main" id="{4B110D0E-20B0-461E-A8F1-7080D438A006}"/>
+                <a16:creationId xmlns:a16="http://schemas.microsoft.com/office/drawing/2014/main" id="{898ECDFB-2786-4053-8CAF-AFA678E2B180}"/>
               </a:ext>
             </a:extLst>
           </p:cNvPr>
@@ -1536,8 +1596,269 @@
         </p:nvSpPr>
         <p:spPr>
           <a:xfrm>
-            <a:off x="4882844" y="4268906"/>
-            <a:ext cx="8147356" cy="707886"/>
+            <a:off x="8021520" y="5888565"/>
+            <a:ext cx="3733800" cy="892552"/>
+          </a:xfrm>
+          <a:prstGeom prst="rect">
+            <a:avLst/>
+          </a:prstGeom>
+          <a:noFill/>
+        </p:spPr>
+        <p:txBody>
+          <a:bodyPr wrap="square">
+            <a:spAutoFit/>
+          </a:bodyPr>
+          <a:lstStyle>
+            <a:defPPr>
+              <a:defRPr kern="0"/>
+            </a:defPPr>
+          </a:lstStyle>
+          <a:p>
+            <a:pPr marL="0" marR="0" lvl="0" indent="0" algn="ctr" defTabSz="914400" eaLnBrk="1" fontAlgn="auto" latinLnBrk="0" hangingPunct="1">
+              <a:lnSpc>
+                <a:spcPct val="100000"/>
+              </a:lnSpc>
+              <a:spcBef>
+                <a:spcPts val="0"/>
+              </a:spcBef>
+              <a:spcAft>
+                <a:spcPts val="0"/>
+              </a:spcAft>
+              <a:buClrTx/>
+              <a:buSzTx/>
+              <a:buFontTx/>
+              <a:buNone/>
+              <a:tabLst/>
+              <a:defRPr/>
+            </a:pPr>
+            <a:r>
+              <a:rPr kumimoji="0" lang="en-US" sz="2600" b="0" i="0" u="none" strike="noStrike" kern="0" cap="none" spc="0" normalizeH="0" baseline="0" noProof="0" dirty="0">
+                <a:ln>
+                  <a:noFill/>
+                </a:ln>
+                <a:solidFill>
+                  <a:prstClr val="white"/>
+                </a:solidFill>
+                <a:effectLst/>
+                <a:uLnTx/>
+                <a:uFillTx/>
+              </a:rPr>
+              <a:t>Hosne Ara Bithi</a:t>
+            </a:r>
+          </a:p>
+          <a:p>
+            <a:pPr marL="0" marR="0" lvl="0" indent="0" algn="ctr" defTabSz="914400" eaLnBrk="1" fontAlgn="auto" latinLnBrk="0" hangingPunct="1">
+              <a:lnSpc>
+                <a:spcPct val="100000"/>
+              </a:lnSpc>
+              <a:spcBef>
+                <a:spcPts val="0"/>
+              </a:spcBef>
+              <a:spcAft>
+                <a:spcPts val="0"/>
+              </a:spcAft>
+              <a:buClrTx/>
+              <a:buSzTx/>
+              <a:buFontTx/>
+              <a:buNone/>
+              <a:tabLst/>
+              <a:defRPr/>
+            </a:pPr>
+            <a:r>
+              <a:rPr kumimoji="0" lang="en-US" sz="2600" b="0" i="0" u="none" strike="noStrike" kern="0" cap="none" spc="0" normalizeH="0" baseline="0" noProof="0" dirty="0">
+                <a:ln>
+                  <a:noFill/>
+                </a:ln>
+                <a:solidFill>
+                  <a:prstClr val="white"/>
+                </a:solidFill>
+                <a:effectLst/>
+                <a:uLnTx/>
+                <a:uFillTx/>
+              </a:rPr>
+              <a:t>ID: 201-15-3738</a:t>
+            </a:r>
+          </a:p>
+        </p:txBody>
+      </p:sp>
+      <p:pic>
+        <p:nvPicPr>
+          <p:cNvPr id="11" name="Picture 10">
+            <a:extLst>
+              <a:ext uri="{FF2B5EF4-FFF2-40B4-BE49-F238E27FC236}">
+                <a16:creationId xmlns:a16="http://schemas.microsoft.com/office/drawing/2014/main" id="{7F2391CE-8152-40BC-B36C-032C0B46C32E}"/>
+              </a:ext>
+            </a:extLst>
+          </p:cNvPr>
+          <p:cNvPicPr>
+            <a:picLocks noChangeAspect="1"/>
+          </p:cNvPicPr>
+          <p:nvPr/>
+        </p:nvPicPr>
+        <p:blipFill>
+          <a:blip r:embed="rId3" cstate="print">
+            <a:extLst>
+              <a:ext uri="{28A0092B-C50C-407E-A947-70E740481C1C}">
+                <a14:useLocalDpi xmlns:a14="http://schemas.microsoft.com/office/drawing/2010/main" val="0"/>
+              </a:ext>
+            </a:extLst>
+          </a:blip>
+          <a:stretch>
+            <a:fillRect/>
+          </a:stretch>
+        </p:blipFill>
+        <p:spPr>
+          <a:xfrm>
+            <a:off x="9188651" y="4212084"/>
+            <a:ext cx="1399538" cy="1394354"/>
+          </a:xfrm>
+          <a:prstGeom prst="ellipse">
+            <a:avLst/>
+          </a:prstGeom>
+          <a:ln w="63500" cap="rnd">
+            <a:solidFill>
+              <a:srgbClr val="00B050"/>
+            </a:solidFill>
+          </a:ln>
+          <a:effectLst>
+            <a:outerShdw blurRad="381000" dist="292100" dir="5400000" sx="-80000" sy="-18000" rotWithShape="0">
+              <a:srgbClr val="000000">
+                <a:alpha val="22000"/>
+              </a:srgbClr>
+            </a:outerShdw>
+          </a:effectLst>
+          <a:scene3d>
+            <a:camera prst="orthographicFront"/>
+            <a:lightRig rig="contrasting" dir="t">
+              <a:rot lat="0" lon="0" rev="3000000"/>
+            </a:lightRig>
+          </a:scene3d>
+          <a:sp3d contourW="7620">
+            <a:bevelT w="95250" h="31750"/>
+            <a:contourClr>
+              <a:srgbClr val="333333"/>
+            </a:contourClr>
+          </a:sp3d>
+        </p:spPr>
+      </p:pic>
+      <mc:AlternateContent xmlns:mc="http://schemas.openxmlformats.org/markup-compatibility/2006">
+        <mc:Choice xmlns:p14="http://schemas.microsoft.com/office/powerpoint/2010/main" Requires="p14">
+          <p:contentPart p14:bwMode="auto" r:id="rId4">
+            <p14:nvContentPartPr>
+              <p14:cNvPr id="12" name="Ink 11">
+                <a:extLst>
+                  <a:ext uri="{FF2B5EF4-FFF2-40B4-BE49-F238E27FC236}">
+                    <a16:creationId xmlns:a16="http://schemas.microsoft.com/office/drawing/2014/main" id="{F53FD3CC-E619-4777-95E2-E30BDC31F1D1}"/>
+                  </a:ext>
+                </a:extLst>
+              </p14:cNvPr>
+              <p14:cNvContentPartPr/>
+              <p14:nvPr/>
+            </p14:nvContentPartPr>
+            <p14:xfrm>
+              <a:off x="14850731" y="5416560"/>
+              <a:ext cx="360" cy="360"/>
+            </p14:xfrm>
+          </p:contentPart>
+        </mc:Choice>
+        <mc:Fallback>
+          <p:pic>
+            <p:nvPicPr>
+              <p:cNvPr id="12" name="Ink 11">
+                <a:extLst>
+                  <a:ext uri="{FF2B5EF4-FFF2-40B4-BE49-F238E27FC236}">
+                    <a16:creationId xmlns:a16="http://schemas.microsoft.com/office/drawing/2014/main" id="{F53FD3CC-E619-4777-95E2-E30BDC31F1D1}"/>
+                  </a:ext>
+                </a:extLst>
+              </p:cNvPr>
+              <p:cNvPicPr/>
+              <p:nvPr/>
+            </p:nvPicPr>
+            <p:blipFill>
+              <a:blip r:embed="rId5"/>
+              <a:stretch>
+                <a:fillRect/>
+              </a:stretch>
+            </p:blipFill>
+            <p:spPr>
+              <a:xfrm>
+                <a:off x="14834891" y="5353200"/>
+                <a:ext cx="31680" cy="127080"/>
+              </a:xfrm>
+              <a:prstGeom prst="rect">
+                <a:avLst/>
+              </a:prstGeom>
+            </p:spPr>
+          </p:pic>
+        </mc:Fallback>
+      </mc:AlternateContent>
+      <mc:AlternateContent xmlns:mc="http://schemas.openxmlformats.org/markup-compatibility/2006">
+        <mc:Choice xmlns:p14="http://schemas.microsoft.com/office/powerpoint/2010/main" Requires="p14">
+          <p:contentPart p14:bwMode="auto" r:id="rId6">
+            <p14:nvContentPartPr>
+              <p14:cNvPr id="13" name="Ink 12">
+                <a:extLst>
+                  <a:ext uri="{FF2B5EF4-FFF2-40B4-BE49-F238E27FC236}">
+                    <a16:creationId xmlns:a16="http://schemas.microsoft.com/office/drawing/2014/main" id="{82B1A3B6-9594-428B-A685-21B50807735B}"/>
+                  </a:ext>
+                </a:extLst>
+              </p14:cNvPr>
+              <p14:cNvContentPartPr/>
+              <p14:nvPr/>
+            </p14:nvContentPartPr>
+            <p14:xfrm>
+              <a:off x="12327131" y="6397200"/>
+              <a:ext cx="360" cy="360"/>
+            </p14:xfrm>
+          </p:contentPart>
+        </mc:Choice>
+        <mc:Fallback>
+          <p:pic>
+            <p:nvPicPr>
+              <p:cNvPr id="13" name="Ink 12">
+                <a:extLst>
+                  <a:ext uri="{FF2B5EF4-FFF2-40B4-BE49-F238E27FC236}">
+                    <a16:creationId xmlns:a16="http://schemas.microsoft.com/office/drawing/2014/main" id="{82B1A3B6-9594-428B-A685-21B50807735B}"/>
+                  </a:ext>
+                </a:extLst>
+              </p:cNvPr>
+              <p:cNvPicPr/>
+              <p:nvPr/>
+            </p:nvPicPr>
+            <p:blipFill>
+              <a:blip r:embed="rId5"/>
+              <a:stretch>
+                <a:fillRect/>
+              </a:stretch>
+            </p:blipFill>
+            <p:spPr>
+              <a:xfrm>
+                <a:off x="12311291" y="6333840"/>
+                <a:ext cx="31680" cy="127080"/>
+              </a:xfrm>
+              <a:prstGeom prst="rect">
+                <a:avLst/>
+              </a:prstGeom>
+            </p:spPr>
+          </p:pic>
+        </mc:Fallback>
+      </mc:AlternateContent>
+      <p:sp>
+        <p:nvSpPr>
+          <p:cNvPr id="14" name="TextBox 13">
+            <a:extLst>
+              <a:ext uri="{FF2B5EF4-FFF2-40B4-BE49-F238E27FC236}">
+                <a16:creationId xmlns:a16="http://schemas.microsoft.com/office/drawing/2014/main" id="{0D509680-E529-4E8D-8D67-C095605C1A6B}"/>
+              </a:ext>
+            </a:extLst>
+          </p:cNvPr>
+          <p:cNvSpPr txBox="1"/>
+          <p:nvPr/>
+        </p:nvSpPr>
+        <p:spPr>
+          <a:xfrm>
+            <a:off x="5568273" y="5873590"/>
+            <a:ext cx="3049996" cy="892552"/>
           </a:xfrm>
           <a:prstGeom prst="rect">
             <a:avLst/>
@@ -1550,48 +1871,89 @@
           </a:bodyPr>
           <a:lstStyle/>
           <a:p>
-            <a:r>
-              <a:rPr lang="en-US" sz="4000" dirty="0"/>
-              <a:t>Md. Bariul Munshi       ID: 201-15-3314</a:t>
-            </a:r>
-          </a:p>
-        </p:txBody>
-      </p:sp>
-      <p:sp>
-        <p:nvSpPr>
-          <p:cNvPr id="8" name="TextBox 7">
+            <a:pPr algn="ctr"/>
+            <a:r>
+              <a:rPr lang="en-US" sz="2600" dirty="0">
+                <a:solidFill>
+                  <a:schemeClr val="bg1"/>
+                </a:solidFill>
+              </a:rPr>
+              <a:t>Md. Bariul Munshi</a:t>
+            </a:r>
+          </a:p>
+          <a:p>
+            <a:pPr algn="ctr"/>
+            <a:r>
+              <a:rPr lang="en-US" sz="2600" dirty="0">
+                <a:solidFill>
+                  <a:schemeClr val="bg1"/>
+                </a:solidFill>
+              </a:rPr>
+              <a:t>ID: 201-15-3314</a:t>
+            </a:r>
+          </a:p>
+        </p:txBody>
+      </p:sp>
+      <p:pic>
+        <p:nvPicPr>
+          <p:cNvPr id="15" name="Picture 14">
             <a:extLst>
               <a:ext uri="{FF2B5EF4-FFF2-40B4-BE49-F238E27FC236}">
-                <a16:creationId xmlns:a16="http://schemas.microsoft.com/office/drawing/2014/main" id="{DF247527-A513-4C23-8176-07FBC7CF6078}"/>
+                <a16:creationId xmlns:a16="http://schemas.microsoft.com/office/drawing/2014/main" id="{7B11E554-306F-44EF-AD29-A72C077662E4}"/>
               </a:ext>
             </a:extLst>
           </p:cNvPr>
-          <p:cNvSpPr txBox="1"/>
+          <p:cNvPicPr>
+            <a:picLocks noChangeAspect="1"/>
+          </p:cNvPicPr>
           <p:nvPr/>
-        </p:nvSpPr>
-        <p:spPr>
-          <a:xfrm>
-            <a:off x="4953000" y="5156200"/>
-            <a:ext cx="8077200" cy="707886"/>
-          </a:xfrm>
-          <a:prstGeom prst="rect">
-            <a:avLst/>
-          </a:prstGeom>
-          <a:noFill/>
-        </p:spPr>
-        <p:txBody>
-          <a:bodyPr wrap="square" rtlCol="0">
-            <a:spAutoFit/>
-          </a:bodyPr>
-          <a:lstStyle/>
-          <a:p>
-            <a:r>
-              <a:rPr lang="en-US" sz="4000" dirty="0"/>
-              <a:t>Hosne Ara Bithi            ID: 201-15-3738</a:t>
-            </a:r>
-          </a:p>
-        </p:txBody>
-      </p:sp>
+        </p:nvPicPr>
+        <p:blipFill>
+          <a:blip r:embed="rId7" cstate="print">
+            <a:extLst>
+              <a:ext uri="{28A0092B-C50C-407E-A947-70E740481C1C}">
+                <a14:useLocalDpi xmlns:a14="http://schemas.microsoft.com/office/drawing/2010/main" val="0"/>
+              </a:ext>
+            </a:extLst>
+          </a:blip>
+          <a:stretch>
+            <a:fillRect/>
+          </a:stretch>
+        </p:blipFill>
+        <p:spPr>
+          <a:xfrm>
+            <a:off x="6377963" y="4212084"/>
+            <a:ext cx="1630857" cy="1613618"/>
+          </a:xfrm>
+          <a:prstGeom prst="ellipse">
+            <a:avLst/>
+          </a:prstGeom>
+          <a:ln w="63500" cap="rnd">
+            <a:solidFill>
+              <a:srgbClr val="00B050"/>
+            </a:solidFill>
+          </a:ln>
+          <a:effectLst>
+            <a:outerShdw blurRad="381000" dist="292100" dir="5400000" sx="-80000" sy="-18000" rotWithShape="0">
+              <a:srgbClr val="000000">
+                <a:alpha val="22000"/>
+              </a:srgbClr>
+            </a:outerShdw>
+          </a:effectLst>
+          <a:scene3d>
+            <a:camera prst="orthographicFront"/>
+            <a:lightRig rig="contrasting" dir="t">
+              <a:rot lat="0" lon="0" rev="3000000"/>
+            </a:lightRig>
+          </a:scene3d>
+          <a:sp3d contourW="7620">
+            <a:bevelT w="95250" h="31750"/>
+            <a:contourClr>
+              <a:srgbClr val="333333"/>
+            </a:contourClr>
+          </a:sp3d>
+        </p:spPr>
+      </p:pic>
     </p:spTree>
     <p:extLst>
       <p:ext uri="{BB962C8B-B14F-4D97-AF65-F5344CB8AC3E}">
